--- a/docs/noisy-asr-model2.pptx
+++ b/docs/noisy-asr-model2.pptx
@@ -6,6 +6,7 @@
   </p:sldMasterIdLst>
   <p:sldIdLst>
     <p:sldId id="256" r:id="rId2"/>
+    <p:sldId id="257" r:id="rId3"/>
   </p:sldIdLst>
   <p:sldSz cx="12192000" cy="6858000"/>
   <p:notesSz cx="6858000" cy="9144000"/>
@@ -243,7 +244,7 @@
           <a:p>
             <a:fld id="{7A036B2F-6E8A-0245-AE8E-01DA9BE8AD45}" type="datetimeFigureOut">
               <a:rPr lang="en-US" smtClean="0"/>
-              <a:t>1/28/20</a:t>
+              <a:t>3/9/20</a:t>
             </a:fld>
             <a:endParaRPr lang="en-US"/>
           </a:p>
@@ -413,7 +414,7 @@
           <a:p>
             <a:fld id="{7A036B2F-6E8A-0245-AE8E-01DA9BE8AD45}" type="datetimeFigureOut">
               <a:rPr lang="en-US" smtClean="0"/>
-              <a:t>1/28/20</a:t>
+              <a:t>3/9/20</a:t>
             </a:fld>
             <a:endParaRPr lang="en-US"/>
           </a:p>
@@ -593,7 +594,7 @@
           <a:p>
             <a:fld id="{7A036B2F-6E8A-0245-AE8E-01DA9BE8AD45}" type="datetimeFigureOut">
               <a:rPr lang="en-US" smtClean="0"/>
-              <a:t>1/28/20</a:t>
+              <a:t>3/9/20</a:t>
             </a:fld>
             <a:endParaRPr lang="en-US"/>
           </a:p>
@@ -763,7 +764,7 @@
           <a:p>
             <a:fld id="{7A036B2F-6E8A-0245-AE8E-01DA9BE8AD45}" type="datetimeFigureOut">
               <a:rPr lang="en-US" smtClean="0"/>
-              <a:t>1/28/20</a:t>
+              <a:t>3/9/20</a:t>
             </a:fld>
             <a:endParaRPr lang="en-US"/>
           </a:p>
@@ -1009,7 +1010,7 @@
           <a:p>
             <a:fld id="{7A036B2F-6E8A-0245-AE8E-01DA9BE8AD45}" type="datetimeFigureOut">
               <a:rPr lang="en-US" smtClean="0"/>
-              <a:t>1/28/20</a:t>
+              <a:t>3/9/20</a:t>
             </a:fld>
             <a:endParaRPr lang="en-US"/>
           </a:p>
@@ -1241,7 +1242,7 @@
           <a:p>
             <a:fld id="{7A036B2F-6E8A-0245-AE8E-01DA9BE8AD45}" type="datetimeFigureOut">
               <a:rPr lang="en-US" smtClean="0"/>
-              <a:t>1/28/20</a:t>
+              <a:t>3/9/20</a:t>
             </a:fld>
             <a:endParaRPr lang="en-US"/>
           </a:p>
@@ -1608,7 +1609,7 @@
           <a:p>
             <a:fld id="{7A036B2F-6E8A-0245-AE8E-01DA9BE8AD45}" type="datetimeFigureOut">
               <a:rPr lang="en-US" smtClean="0"/>
-              <a:t>1/28/20</a:t>
+              <a:t>3/9/20</a:t>
             </a:fld>
             <a:endParaRPr lang="en-US"/>
           </a:p>
@@ -1726,7 +1727,7 @@
           <a:p>
             <a:fld id="{7A036B2F-6E8A-0245-AE8E-01DA9BE8AD45}" type="datetimeFigureOut">
               <a:rPr lang="en-US" smtClean="0"/>
-              <a:t>1/28/20</a:t>
+              <a:t>3/9/20</a:t>
             </a:fld>
             <a:endParaRPr lang="en-US"/>
           </a:p>
@@ -1821,7 +1822,7 @@
           <a:p>
             <a:fld id="{7A036B2F-6E8A-0245-AE8E-01DA9BE8AD45}" type="datetimeFigureOut">
               <a:rPr lang="en-US" smtClean="0"/>
-              <a:t>1/28/20</a:t>
+              <a:t>3/9/20</a:t>
             </a:fld>
             <a:endParaRPr lang="en-US"/>
           </a:p>
@@ -2098,7 +2099,7 @@
           <a:p>
             <a:fld id="{7A036B2F-6E8A-0245-AE8E-01DA9BE8AD45}" type="datetimeFigureOut">
               <a:rPr lang="en-US" smtClean="0"/>
-              <a:t>1/28/20</a:t>
+              <a:t>3/9/20</a:t>
             </a:fld>
             <a:endParaRPr lang="en-US"/>
           </a:p>
@@ -2351,7 +2352,7 @@
           <a:p>
             <a:fld id="{7A036B2F-6E8A-0245-AE8E-01DA9BE8AD45}" type="datetimeFigureOut">
               <a:rPr lang="en-US" smtClean="0"/>
-              <a:t>1/28/20</a:t>
+              <a:t>3/9/20</a:t>
             </a:fld>
             <a:endParaRPr lang="en-US"/>
           </a:p>
@@ -2564,7 +2565,7 @@
           <a:p>
             <a:fld id="{7A036B2F-6E8A-0245-AE8E-01DA9BE8AD45}" type="datetimeFigureOut">
               <a:rPr lang="en-US" smtClean="0"/>
-              <a:t>1/28/20</a:t>
+              <a:t>3/9/20</a:t>
             </a:fld>
             <a:endParaRPr lang="en-US"/>
           </a:p>
@@ -2977,7 +2978,7 @@
         </p:nvSpPr>
         <p:spPr>
           <a:xfrm>
-            <a:off x="2962226" y="2276604"/>
+            <a:off x="2003584" y="2276604"/>
             <a:ext cx="2247946" cy="1290181"/>
           </a:xfrm>
           <a:prstGeom prst="rect">
@@ -3040,7 +3041,7 @@
         </p:nvSpPr>
         <p:spPr>
           <a:xfrm rot="5400000">
-            <a:off x="7249440" y="2232763"/>
+            <a:off x="8473551" y="2232763"/>
             <a:ext cx="1371598" cy="1377864"/>
           </a:xfrm>
           <a:prstGeom prst="trapezoid">
@@ -3098,42 +3099,6 @@
           </a:p>
         </p:txBody>
       </p:sp>
-      <p:cxnSp>
-        <p:nvCxnSpPr>
-          <p:cNvPr id="9" name="Straight Arrow Connector 8"/>
-          <p:cNvCxnSpPr>
-            <a:stCxn id="4" idx="3"/>
-            <a:endCxn id="6" idx="2"/>
-          </p:cNvCxnSpPr>
-          <p:nvPr/>
-        </p:nvCxnSpPr>
-        <p:spPr>
-          <a:xfrm>
-            <a:off x="5210172" y="2921695"/>
-            <a:ext cx="2036135" cy="0"/>
-          </a:xfrm>
-          <a:prstGeom prst="straightConnector1">
-            <a:avLst/>
-          </a:prstGeom>
-          <a:ln>
-            <a:tailEnd type="triangle"/>
-          </a:ln>
-        </p:spPr>
-        <p:style>
-          <a:lnRef idx="1">
-            <a:schemeClr val="accent1"/>
-          </a:lnRef>
-          <a:fillRef idx="0">
-            <a:schemeClr val="accent1"/>
-          </a:fillRef>
-          <a:effectRef idx="0">
-            <a:schemeClr val="accent1"/>
-          </a:effectRef>
-          <a:fontRef idx="minor">
-            <a:schemeClr val="tx1"/>
-          </a:fontRef>
-        </p:style>
-      </p:cxnSp>
       <p:sp>
         <p:nvSpPr>
           <p:cNvPr id="23" name="TextBox 22"/>
@@ -3142,7 +3107,7 @@
         </p:nvSpPr>
         <p:spPr>
           <a:xfrm>
-            <a:off x="3436359" y="2590800"/>
+            <a:off x="2477717" y="2590800"/>
             <a:ext cx="1218399" cy="369332"/>
           </a:xfrm>
           <a:prstGeom prst="rect">
@@ -3177,7 +3142,7 @@
         </p:nvSpPr>
         <p:spPr>
           <a:xfrm>
-            <a:off x="7241900" y="2590800"/>
+            <a:off x="8466011" y="2590800"/>
             <a:ext cx="1331471" cy="646331"/>
           </a:xfrm>
           <a:prstGeom prst="rect">
@@ -3207,41 +3172,6 @@
           </a:p>
         </p:txBody>
       </p:sp>
-      <p:cxnSp>
-        <p:nvCxnSpPr>
-          <p:cNvPr id="29" name="Straight Arrow Connector 28"/>
-          <p:cNvCxnSpPr>
-            <a:endCxn id="4" idx="1"/>
-          </p:cNvCxnSpPr>
-          <p:nvPr/>
-        </p:nvCxnSpPr>
-        <p:spPr>
-          <a:xfrm>
-            <a:off x="1963159" y="2921691"/>
-            <a:ext cx="999067" cy="4"/>
-          </a:xfrm>
-          <a:prstGeom prst="straightConnector1">
-            <a:avLst/>
-          </a:prstGeom>
-          <a:ln>
-            <a:tailEnd type="triangle"/>
-          </a:ln>
-        </p:spPr>
-        <p:style>
-          <a:lnRef idx="1">
-            <a:schemeClr val="accent1"/>
-          </a:lnRef>
-          <a:fillRef idx="0">
-            <a:schemeClr val="accent1"/>
-          </a:fillRef>
-          <a:effectRef idx="0">
-            <a:schemeClr val="accent1"/>
-          </a:effectRef>
-          <a:fontRef idx="minor">
-            <a:schemeClr val="tx1"/>
-          </a:fontRef>
-        </p:style>
-      </p:cxnSp>
       <p:sp>
         <p:nvSpPr>
           <p:cNvPr id="30" name="Rectangle 29"/>
@@ -3250,7 +3180,7 @@
         </p:nvSpPr>
         <p:spPr>
           <a:xfrm>
-            <a:off x="1811777" y="2621577"/>
+            <a:off x="853135" y="2621577"/>
             <a:ext cx="595035" cy="584775"/>
           </a:xfrm>
           <a:prstGeom prst="rect">
@@ -3279,7 +3209,7 @@
         </p:nvSpPr>
         <p:spPr>
           <a:xfrm>
-            <a:off x="5785870" y="2629303"/>
+            <a:off x="4959956" y="2629303"/>
             <a:ext cx="595035" cy="584775"/>
           </a:xfrm>
           <a:prstGeom prst="rect">
@@ -3308,7 +3238,7 @@
         </p:nvSpPr>
         <p:spPr>
           <a:xfrm>
-            <a:off x="1539826" y="3206352"/>
+            <a:off x="581184" y="3206352"/>
             <a:ext cx="1100666" cy="646331"/>
           </a:xfrm>
           <a:prstGeom prst="rect">
@@ -3327,7 +3257,6 @@
               <a:rPr lang="en-US" dirty="0" smtClean="0"/>
               <a:t>Noisy</a:t>
             </a:r>
-            <a:endParaRPr lang="en-US" dirty="0" smtClean="0"/>
           </a:p>
           <a:p>
             <a:pPr algn="ctr"/>
@@ -3347,7 +3276,7 @@
         </p:nvSpPr>
         <p:spPr>
           <a:xfrm>
-            <a:off x="5538274" y="3206352"/>
+            <a:off x="4697612" y="3206352"/>
             <a:ext cx="1171647" cy="646331"/>
           </a:xfrm>
           <a:prstGeom prst="rect">
@@ -3364,7 +3293,11 @@
             <a:pPr algn="ctr"/>
             <a:r>
               <a:rPr lang="en-US" dirty="0" smtClean="0"/>
-              <a:t>De-noised audio</a:t>
+              <a:t>De-noised </a:t>
+            </a:r>
+            <a:r>
+              <a:rPr lang="en-US" dirty="0" smtClean="0"/>
+              <a:t>audio</a:t>
             </a:r>
             <a:endParaRPr lang="en-US" dirty="0"/>
           </a:p>
@@ -3380,7 +3313,7 @@
         </p:nvCxnSpPr>
         <p:spPr>
           <a:xfrm flipV="1">
-            <a:off x="8624171" y="2917353"/>
+            <a:off x="9848282" y="2917353"/>
             <a:ext cx="621429" cy="4342"/>
           </a:xfrm>
           <a:prstGeom prst="straightConnector1">
@@ -3413,7 +3346,7 @@
         </p:nvSpPr>
         <p:spPr>
           <a:xfrm>
-            <a:off x="9335736" y="2737024"/>
+            <a:off x="10545099" y="2737024"/>
             <a:ext cx="1256347" cy="369332"/>
           </a:xfrm>
           <a:prstGeom prst="rect">
@@ -3430,20 +3363,1984 @@
             <a:pPr algn="ctr"/>
             <a:r>
               <a:rPr lang="en-US" dirty="0" smtClean="0"/>
-              <a:t>CTC </a:t>
-            </a:r>
+              <a:t>CTC Loss</a:t>
+            </a:r>
+            <a:endParaRPr lang="en-US" dirty="0"/>
+          </a:p>
+        </p:txBody>
+      </p:sp>
+      <p:sp>
+        <p:nvSpPr>
+          <p:cNvPr id="15" name="Rectangle 14"/>
+          <p:cNvSpPr/>
+          <p:nvPr/>
+        </p:nvSpPr>
+        <p:spPr>
+          <a:xfrm>
+            <a:off x="6328429" y="2268873"/>
+            <a:ext cx="1188404" cy="1290181"/>
+          </a:xfrm>
+          <a:prstGeom prst="rect">
+            <a:avLst/>
+          </a:prstGeom>
+          <a:solidFill>
+            <a:schemeClr val="accent1">
+              <a:lumMod val="60000"/>
+              <a:lumOff val="40000"/>
+            </a:schemeClr>
+          </a:solidFill>
+          <a:ln>
+            <a:solidFill>
+              <a:schemeClr val="tx1"/>
+            </a:solidFill>
+          </a:ln>
+          <a:effectLst>
+            <a:outerShdw blurRad="50800" dist="50800" dir="5400000" algn="ctr" rotWithShape="0">
+              <a:srgbClr val="000000"/>
+            </a:outerShdw>
+          </a:effectLst>
+          <a:scene3d>
+            <a:camera prst="orthographicFront"/>
+            <a:lightRig rig="threePt" dir="t"/>
+          </a:scene3d>
+          <a:sp3d>
+            <a:bevelT/>
+          </a:sp3d>
+        </p:spPr>
+        <p:style>
+          <a:lnRef idx="2">
+            <a:schemeClr val="accent1">
+              <a:shade val="50000"/>
+            </a:schemeClr>
+          </a:lnRef>
+          <a:fillRef idx="1">
+            <a:schemeClr val="accent1"/>
+          </a:fillRef>
+          <a:effectRef idx="0">
+            <a:schemeClr val="accent1"/>
+          </a:effectRef>
+          <a:fontRef idx="minor">
+            <a:schemeClr val="lt1"/>
+          </a:fontRef>
+        </p:style>
+        <p:txBody>
+          <a:bodyPr rtlCol="0" anchor="ctr"/>
+          <a:lstStyle/>
+          <a:p>
+            <a:pPr algn="ctr"/>
+            <a:r>
+              <a:rPr lang="en-US" dirty="0" smtClean="0">
+                <a:solidFill>
+                  <a:sysClr val="windowText" lastClr="000000"/>
+                </a:solidFill>
+              </a:rPr>
+              <a:t>STFT</a:t>
+            </a:r>
+            <a:endParaRPr lang="en-US" dirty="0">
+              <a:solidFill>
+                <a:sysClr val="windowText" lastClr="000000"/>
+              </a:solidFill>
+            </a:endParaRPr>
+          </a:p>
+        </p:txBody>
+      </p:sp>
+      <p:cxnSp>
+        <p:nvCxnSpPr>
+          <p:cNvPr id="5" name="Straight Arrow Connector 4"/>
+          <p:cNvCxnSpPr>
+            <a:stCxn id="4" idx="3"/>
+            <a:endCxn id="15" idx="1"/>
+          </p:cNvCxnSpPr>
+          <p:nvPr/>
+        </p:nvCxnSpPr>
+        <p:spPr>
+          <a:xfrm flipV="1">
+            <a:off x="4251530" y="2913964"/>
+            <a:ext cx="2076899" cy="7731"/>
+          </a:xfrm>
+          <a:prstGeom prst="straightConnector1">
+            <a:avLst/>
+          </a:prstGeom>
+          <a:ln>
+            <a:tailEnd type="triangle"/>
+          </a:ln>
+        </p:spPr>
+        <p:style>
+          <a:lnRef idx="1">
+            <a:schemeClr val="accent1"/>
+          </a:lnRef>
+          <a:fillRef idx="0">
+            <a:schemeClr val="accent1"/>
+          </a:fillRef>
+          <a:effectRef idx="0">
+            <a:schemeClr val="accent1"/>
+          </a:effectRef>
+          <a:fontRef idx="minor">
+            <a:schemeClr val="tx1"/>
+          </a:fontRef>
+        </p:style>
+      </p:cxnSp>
+      <p:sp>
+        <p:nvSpPr>
+          <p:cNvPr id="20" name="Rectangle 19"/>
+          <p:cNvSpPr/>
+          <p:nvPr/>
+        </p:nvSpPr>
+        <p:spPr>
+          <a:xfrm>
+            <a:off x="2003584" y="4330921"/>
+            <a:ext cx="1416002" cy="1290181"/>
+          </a:xfrm>
+          <a:prstGeom prst="rect">
+            <a:avLst/>
+          </a:prstGeom>
+          <a:solidFill>
+            <a:schemeClr val="accent1">
+              <a:lumMod val="60000"/>
+              <a:lumOff val="40000"/>
+            </a:schemeClr>
+          </a:solidFill>
+          <a:ln>
+            <a:solidFill>
+              <a:schemeClr val="tx1"/>
+            </a:solidFill>
+          </a:ln>
+          <a:effectLst>
+            <a:outerShdw blurRad="50800" dist="50800" dir="5400000" algn="ctr" rotWithShape="0">
+              <a:srgbClr val="000000"/>
+            </a:outerShdw>
+          </a:effectLst>
+          <a:scene3d>
+            <a:camera prst="orthographicFront"/>
+            <a:lightRig rig="threePt" dir="t"/>
+          </a:scene3d>
+          <a:sp3d>
+            <a:bevelT/>
+          </a:sp3d>
+        </p:spPr>
+        <p:style>
+          <a:lnRef idx="2">
+            <a:schemeClr val="accent1">
+              <a:shade val="50000"/>
+            </a:schemeClr>
+          </a:lnRef>
+          <a:fillRef idx="1">
+            <a:schemeClr val="accent1"/>
+          </a:fillRef>
+          <a:effectRef idx="0">
+            <a:schemeClr val="accent1"/>
+          </a:effectRef>
+          <a:fontRef idx="minor">
+            <a:schemeClr val="lt1"/>
+          </a:fontRef>
+        </p:style>
+        <p:txBody>
+          <a:bodyPr rtlCol="0" anchor="ctr"/>
+          <a:lstStyle/>
+          <a:p>
+            <a:pPr algn="ctr"/>
+            <a:endParaRPr lang="en-US"/>
+          </a:p>
+        </p:txBody>
+      </p:sp>
+      <p:sp>
+        <p:nvSpPr>
+          <p:cNvPr id="21" name="Trapezoid 20"/>
+          <p:cNvSpPr/>
+          <p:nvPr/>
+        </p:nvSpPr>
+        <p:spPr>
+          <a:xfrm rot="5400000">
+            <a:off x="8473551" y="4287080"/>
+            <a:ext cx="1371598" cy="1377864"/>
+          </a:xfrm>
+          <a:prstGeom prst="trapezoid">
+            <a:avLst/>
+          </a:prstGeom>
+          <a:solidFill>
+            <a:schemeClr val="accent6">
+              <a:lumMod val="20000"/>
+              <a:lumOff val="80000"/>
+            </a:schemeClr>
+          </a:solidFill>
+          <a:scene3d>
+            <a:camera prst="orthographicFront"/>
+            <a:lightRig rig="threePt" dir="t"/>
+          </a:scene3d>
+          <a:sp3d>
+            <a:bevelT w="165100" prst="coolSlant"/>
+          </a:sp3d>
+        </p:spPr>
+        <p:style>
+          <a:lnRef idx="2">
+            <a:schemeClr val="accent1">
+              <a:shade val="50000"/>
+            </a:schemeClr>
+          </a:lnRef>
+          <a:fillRef idx="1">
+            <a:schemeClr val="accent1"/>
+          </a:fillRef>
+          <a:effectRef idx="0">
+            <a:schemeClr val="accent1"/>
+          </a:effectRef>
+          <a:fontRef idx="minor">
+            <a:schemeClr val="lt1"/>
+          </a:fontRef>
+        </p:style>
+        <p:txBody>
+          <a:bodyPr rtlCol="0" anchor="ctr"/>
+          <a:lstStyle/>
+          <a:p>
+            <a:pPr algn="ctr"/>
+            <a:endParaRPr lang="en-US" b="1">
+              <a:ln w="22225">
+                <a:solidFill>
+                  <a:schemeClr val="accent2"/>
+                </a:solidFill>
+                <a:prstDash val="solid"/>
+              </a:ln>
+              <a:solidFill>
+                <a:schemeClr val="accent2">
+                  <a:lumMod val="40000"/>
+                  <a:lumOff val="60000"/>
+                </a:schemeClr>
+              </a:solidFill>
+            </a:endParaRPr>
+          </a:p>
+        </p:txBody>
+      </p:sp>
+      <p:sp>
+        <p:nvSpPr>
+          <p:cNvPr id="22" name="TextBox 21"/>
+          <p:cNvSpPr txBox="1"/>
+          <p:nvPr/>
+        </p:nvSpPr>
+        <p:spPr>
+          <a:xfrm>
+            <a:off x="2093291" y="4791341"/>
+            <a:ext cx="1218399" cy="369332"/>
+          </a:xfrm>
+          <a:prstGeom prst="rect">
+            <a:avLst/>
+          </a:prstGeom>
+          <a:noFill/>
+        </p:spPr>
+        <p:txBody>
+          <a:bodyPr wrap="square" rtlCol="0">
+            <a:spAutoFit/>
+          </a:bodyPr>
+          <a:lstStyle/>
+          <a:p>
+            <a:pPr algn="ctr"/>
             <a:r>
               <a:rPr lang="en-US" dirty="0" smtClean="0"/>
-              <a:t>Loss</a:t>
+              <a:t>STFT</a:t>
             </a:r>
             <a:endParaRPr lang="en-US" dirty="0"/>
           </a:p>
         </p:txBody>
       </p:sp>
+      <p:sp>
+        <p:nvSpPr>
+          <p:cNvPr id="24" name="TextBox 23"/>
+          <p:cNvSpPr txBox="1"/>
+          <p:nvPr/>
+        </p:nvSpPr>
+        <p:spPr>
+          <a:xfrm>
+            <a:off x="8466011" y="4645117"/>
+            <a:ext cx="1331471" cy="646331"/>
+          </a:xfrm>
+          <a:prstGeom prst="rect">
+            <a:avLst/>
+          </a:prstGeom>
+          <a:noFill/>
+        </p:spPr>
+        <p:txBody>
+          <a:bodyPr wrap="square" rtlCol="0">
+            <a:spAutoFit/>
+          </a:bodyPr>
+          <a:lstStyle/>
+          <a:p>
+            <a:pPr algn="ctr"/>
+            <a:r>
+              <a:rPr lang="en-US" dirty="0" smtClean="0"/>
+              <a:t>fixed ASR</a:t>
+            </a:r>
+          </a:p>
+          <a:p>
+            <a:pPr algn="ctr"/>
+            <a:r>
+              <a:rPr lang="en-US" dirty="0" smtClean="0"/>
+              <a:t>(R)</a:t>
+            </a:r>
+            <a:endParaRPr lang="en-US" dirty="0"/>
+          </a:p>
+        </p:txBody>
+      </p:sp>
+      <p:sp>
+        <p:nvSpPr>
+          <p:cNvPr id="27" name="Rectangle 26"/>
+          <p:cNvSpPr/>
+          <p:nvPr/>
+        </p:nvSpPr>
+        <p:spPr>
+          <a:xfrm>
+            <a:off x="853135" y="4675894"/>
+            <a:ext cx="595035" cy="584775"/>
+          </a:xfrm>
+          <a:prstGeom prst="rect">
+            <a:avLst/>
+          </a:prstGeom>
+        </p:spPr>
+        <p:txBody>
+          <a:bodyPr wrap="none">
+            <a:spAutoFit/>
+          </a:bodyPr>
+          <a:lstStyle/>
+          <a:p>
+            <a:r>
+              <a:rPr lang="en-US" sz="3200" dirty="0" smtClean="0"/>
+              <a:t>🎶</a:t>
+            </a:r>
+            <a:endParaRPr lang="en-US" sz="3200" dirty="0"/>
+          </a:p>
+        </p:txBody>
+      </p:sp>
+      <p:sp>
+        <p:nvSpPr>
+          <p:cNvPr id="28" name="Rectangle 27"/>
+          <p:cNvSpPr/>
+          <p:nvPr/>
+        </p:nvSpPr>
+        <p:spPr>
+          <a:xfrm>
+            <a:off x="7068975" y="4683620"/>
+            <a:ext cx="595035" cy="584775"/>
+          </a:xfrm>
+          <a:prstGeom prst="rect">
+            <a:avLst/>
+          </a:prstGeom>
+        </p:spPr>
+        <p:txBody>
+          <a:bodyPr wrap="none">
+            <a:spAutoFit/>
+          </a:bodyPr>
+          <a:lstStyle/>
+          <a:p>
+            <a:r>
+              <a:rPr lang="en-US" sz="3200" dirty="0" smtClean="0"/>
+              <a:t>🎶</a:t>
+            </a:r>
+            <a:endParaRPr lang="en-US" sz="3200" dirty="0"/>
+          </a:p>
+        </p:txBody>
+      </p:sp>
+      <p:sp>
+        <p:nvSpPr>
+          <p:cNvPr id="34" name="TextBox 33"/>
+          <p:cNvSpPr txBox="1"/>
+          <p:nvPr/>
+        </p:nvSpPr>
+        <p:spPr>
+          <a:xfrm>
+            <a:off x="581184" y="5260669"/>
+            <a:ext cx="1100666" cy="646331"/>
+          </a:xfrm>
+          <a:prstGeom prst="rect">
+            <a:avLst/>
+          </a:prstGeom>
+          <a:noFill/>
+        </p:spPr>
+        <p:txBody>
+          <a:bodyPr wrap="square" rtlCol="0">
+            <a:spAutoFit/>
+          </a:bodyPr>
+          <a:lstStyle/>
+          <a:p>
+            <a:pPr algn="ctr"/>
+            <a:r>
+              <a:rPr lang="en-US" dirty="0" smtClean="0"/>
+              <a:t>Noisy</a:t>
+            </a:r>
+          </a:p>
+          <a:p>
+            <a:pPr algn="ctr"/>
+            <a:r>
+              <a:rPr lang="en-US" dirty="0" smtClean="0"/>
+              <a:t>Audio</a:t>
+            </a:r>
+            <a:endParaRPr lang="en-US" dirty="0"/>
+          </a:p>
+        </p:txBody>
+      </p:sp>
+      <p:sp>
+        <p:nvSpPr>
+          <p:cNvPr id="35" name="TextBox 34"/>
+          <p:cNvSpPr txBox="1"/>
+          <p:nvPr/>
+        </p:nvSpPr>
+        <p:spPr>
+          <a:xfrm>
+            <a:off x="6806631" y="5260669"/>
+            <a:ext cx="1171647" cy="646331"/>
+          </a:xfrm>
+          <a:prstGeom prst="rect">
+            <a:avLst/>
+          </a:prstGeom>
+          <a:noFill/>
+        </p:spPr>
+        <p:txBody>
+          <a:bodyPr wrap="square" rtlCol="0">
+            <a:spAutoFit/>
+          </a:bodyPr>
+          <a:lstStyle/>
+          <a:p>
+            <a:pPr algn="ctr"/>
+            <a:r>
+              <a:rPr lang="en-US" dirty="0" smtClean="0"/>
+              <a:t>De-noised </a:t>
+            </a:r>
+            <a:r>
+              <a:rPr lang="en-US" dirty="0" smtClean="0"/>
+              <a:t>Features</a:t>
+            </a:r>
+            <a:endParaRPr lang="en-US" dirty="0"/>
+          </a:p>
+        </p:txBody>
+      </p:sp>
+      <p:cxnSp>
+        <p:nvCxnSpPr>
+          <p:cNvPr id="36" name="Straight Arrow Connector 35"/>
+          <p:cNvCxnSpPr/>
+          <p:nvPr/>
+        </p:nvCxnSpPr>
+        <p:spPr>
+          <a:xfrm flipV="1">
+            <a:off x="9848282" y="4971670"/>
+            <a:ext cx="621429" cy="4342"/>
+          </a:xfrm>
+          <a:prstGeom prst="straightConnector1">
+            <a:avLst/>
+          </a:prstGeom>
+          <a:ln>
+            <a:tailEnd type="triangle"/>
+          </a:ln>
+        </p:spPr>
+        <p:style>
+          <a:lnRef idx="1">
+            <a:schemeClr val="accent1"/>
+          </a:lnRef>
+          <a:fillRef idx="0">
+            <a:schemeClr val="accent1"/>
+          </a:fillRef>
+          <a:effectRef idx="0">
+            <a:schemeClr val="accent1"/>
+          </a:effectRef>
+          <a:fontRef idx="minor">
+            <a:schemeClr val="tx1"/>
+          </a:fontRef>
+        </p:style>
+      </p:cxnSp>
+      <p:sp>
+        <p:nvSpPr>
+          <p:cNvPr id="38" name="TextBox 37"/>
+          <p:cNvSpPr txBox="1"/>
+          <p:nvPr/>
+        </p:nvSpPr>
+        <p:spPr>
+          <a:xfrm>
+            <a:off x="10545099" y="4791341"/>
+            <a:ext cx="1256347" cy="369332"/>
+          </a:xfrm>
+          <a:prstGeom prst="rect">
+            <a:avLst/>
+          </a:prstGeom>
+          <a:noFill/>
+        </p:spPr>
+        <p:txBody>
+          <a:bodyPr wrap="square" rtlCol="0">
+            <a:spAutoFit/>
+          </a:bodyPr>
+          <a:lstStyle/>
+          <a:p>
+            <a:pPr algn="ctr"/>
+            <a:r>
+              <a:rPr lang="en-US" dirty="0" smtClean="0"/>
+              <a:t>CTC Loss</a:t>
+            </a:r>
+            <a:endParaRPr lang="en-US" dirty="0"/>
+          </a:p>
+        </p:txBody>
+      </p:sp>
+      <p:sp>
+        <p:nvSpPr>
+          <p:cNvPr id="43" name="Rectangle 42"/>
+          <p:cNvSpPr/>
+          <p:nvPr/>
+        </p:nvSpPr>
+        <p:spPr>
+          <a:xfrm>
+            <a:off x="4368485" y="4323190"/>
+            <a:ext cx="2247946" cy="1290181"/>
+          </a:xfrm>
+          <a:prstGeom prst="rect">
+            <a:avLst/>
+          </a:prstGeom>
+          <a:solidFill>
+            <a:schemeClr val="accent4">
+              <a:lumMod val="20000"/>
+              <a:lumOff val="80000"/>
+            </a:schemeClr>
+          </a:solidFill>
+          <a:ln>
+            <a:solidFill>
+              <a:schemeClr val="tx1"/>
+            </a:solidFill>
+          </a:ln>
+          <a:effectLst>
+            <a:outerShdw blurRad="50800" dist="50800" dir="5400000" algn="ctr" rotWithShape="0">
+              <a:srgbClr val="000000"/>
+            </a:outerShdw>
+          </a:effectLst>
+          <a:scene3d>
+            <a:camera prst="orthographicFront"/>
+            <a:lightRig rig="threePt" dir="t"/>
+          </a:scene3d>
+          <a:sp3d>
+            <a:bevelT/>
+          </a:sp3d>
+        </p:spPr>
+        <p:style>
+          <a:lnRef idx="2">
+            <a:schemeClr val="accent1">
+              <a:shade val="50000"/>
+            </a:schemeClr>
+          </a:lnRef>
+          <a:fillRef idx="1">
+            <a:schemeClr val="accent1"/>
+          </a:fillRef>
+          <a:effectRef idx="0">
+            <a:schemeClr val="accent1"/>
+          </a:effectRef>
+          <a:fontRef idx="minor">
+            <a:schemeClr val="lt1"/>
+          </a:fontRef>
+        </p:style>
+        <p:txBody>
+          <a:bodyPr rtlCol="0" anchor="ctr"/>
+          <a:lstStyle/>
+          <a:p>
+            <a:pPr algn="ctr"/>
+            <a:r>
+              <a:rPr lang="en-US" dirty="0" smtClean="0">
+                <a:solidFill>
+                  <a:sysClr val="windowText" lastClr="000000"/>
+                </a:solidFill>
+              </a:rPr>
+              <a:t>De-</a:t>
+            </a:r>
+            <a:r>
+              <a:rPr lang="en-US" dirty="0" err="1" smtClean="0">
+                <a:solidFill>
+                  <a:sysClr val="windowText" lastClr="000000"/>
+                </a:solidFill>
+              </a:rPr>
+              <a:t>Noiser</a:t>
+            </a:r>
+            <a:endParaRPr lang="en-US" dirty="0">
+              <a:solidFill>
+                <a:sysClr val="windowText" lastClr="000000"/>
+              </a:solidFill>
+            </a:endParaRPr>
+          </a:p>
+        </p:txBody>
+      </p:sp>
+      <p:cxnSp>
+        <p:nvCxnSpPr>
+          <p:cNvPr id="11" name="Straight Arrow Connector 10"/>
+          <p:cNvCxnSpPr>
+            <a:endCxn id="43" idx="1"/>
+          </p:cNvCxnSpPr>
+          <p:nvPr/>
+        </p:nvCxnSpPr>
+        <p:spPr>
+          <a:xfrm flipV="1">
+            <a:off x="3213112" y="4968281"/>
+            <a:ext cx="1155373" cy="3389"/>
+          </a:xfrm>
+          <a:prstGeom prst="straightConnector1">
+            <a:avLst/>
+          </a:prstGeom>
+          <a:ln>
+            <a:tailEnd type="triangle"/>
+          </a:ln>
+        </p:spPr>
+        <p:style>
+          <a:lnRef idx="1">
+            <a:schemeClr val="accent1"/>
+          </a:lnRef>
+          <a:fillRef idx="0">
+            <a:schemeClr val="accent1"/>
+          </a:fillRef>
+          <a:effectRef idx="0">
+            <a:schemeClr val="accent1"/>
+          </a:effectRef>
+          <a:fontRef idx="minor">
+            <a:schemeClr val="tx1"/>
+          </a:fontRef>
+        </p:style>
+      </p:cxnSp>
+      <p:cxnSp>
+        <p:nvCxnSpPr>
+          <p:cNvPr id="13" name="Straight Arrow Connector 12"/>
+          <p:cNvCxnSpPr>
+            <a:stCxn id="43" idx="3"/>
+            <a:endCxn id="24" idx="1"/>
+          </p:cNvCxnSpPr>
+          <p:nvPr/>
+        </p:nvCxnSpPr>
+        <p:spPr>
+          <a:xfrm>
+            <a:off x="6616431" y="4968281"/>
+            <a:ext cx="1849580" cy="2"/>
+          </a:xfrm>
+          <a:prstGeom prst="straightConnector1">
+            <a:avLst/>
+          </a:prstGeom>
+          <a:ln>
+            <a:tailEnd type="triangle"/>
+          </a:ln>
+        </p:spPr>
+        <p:style>
+          <a:lnRef idx="1">
+            <a:schemeClr val="accent1"/>
+          </a:lnRef>
+          <a:fillRef idx="0">
+            <a:schemeClr val="accent1"/>
+          </a:fillRef>
+          <a:effectRef idx="0">
+            <a:schemeClr val="accent1"/>
+          </a:effectRef>
+          <a:fontRef idx="minor">
+            <a:schemeClr val="tx1"/>
+          </a:fontRef>
+        </p:style>
+      </p:cxnSp>
+      <p:cxnSp>
+        <p:nvCxnSpPr>
+          <p:cNvPr id="16" name="Straight Arrow Connector 15"/>
+          <p:cNvCxnSpPr>
+            <a:stCxn id="15" idx="3"/>
+            <a:endCxn id="26" idx="1"/>
+          </p:cNvCxnSpPr>
+          <p:nvPr/>
+        </p:nvCxnSpPr>
+        <p:spPr>
+          <a:xfrm>
+            <a:off x="7516833" y="2913964"/>
+            <a:ext cx="949178" cy="2"/>
+          </a:xfrm>
+          <a:prstGeom prst="straightConnector1">
+            <a:avLst/>
+          </a:prstGeom>
+          <a:ln>
+            <a:tailEnd type="triangle"/>
+          </a:ln>
+        </p:spPr>
+        <p:style>
+          <a:lnRef idx="1">
+            <a:schemeClr val="accent1"/>
+          </a:lnRef>
+          <a:fillRef idx="0">
+            <a:schemeClr val="accent1"/>
+          </a:fillRef>
+          <a:effectRef idx="0">
+            <a:schemeClr val="accent1"/>
+          </a:effectRef>
+          <a:fontRef idx="minor">
+            <a:schemeClr val="tx1"/>
+          </a:fontRef>
+        </p:style>
+      </p:cxnSp>
+      <p:cxnSp>
+        <p:nvCxnSpPr>
+          <p:cNvPr id="18" name="Straight Arrow Connector 17"/>
+          <p:cNvCxnSpPr>
+            <a:stCxn id="27" idx="3"/>
+            <a:endCxn id="20" idx="1"/>
+          </p:cNvCxnSpPr>
+          <p:nvPr/>
+        </p:nvCxnSpPr>
+        <p:spPr>
+          <a:xfrm>
+            <a:off x="1448170" y="4968282"/>
+            <a:ext cx="555414" cy="7730"/>
+          </a:xfrm>
+          <a:prstGeom prst="straightConnector1">
+            <a:avLst/>
+          </a:prstGeom>
+          <a:ln>
+            <a:tailEnd type="triangle"/>
+          </a:ln>
+        </p:spPr>
+        <p:style>
+          <a:lnRef idx="1">
+            <a:schemeClr val="accent1"/>
+          </a:lnRef>
+          <a:fillRef idx="0">
+            <a:schemeClr val="accent1"/>
+          </a:fillRef>
+          <a:effectRef idx="0">
+            <a:schemeClr val="accent1"/>
+          </a:effectRef>
+          <a:fontRef idx="minor">
+            <a:schemeClr val="tx1"/>
+          </a:fontRef>
+        </p:style>
+      </p:cxnSp>
+      <p:cxnSp>
+        <p:nvCxnSpPr>
+          <p:cNvPr id="44" name="Straight Arrow Connector 43"/>
+          <p:cNvCxnSpPr>
+            <a:stCxn id="30" idx="3"/>
+            <a:endCxn id="4" idx="1"/>
+          </p:cNvCxnSpPr>
+          <p:nvPr/>
+        </p:nvCxnSpPr>
+        <p:spPr>
+          <a:xfrm>
+            <a:off x="1448170" y="2913965"/>
+            <a:ext cx="555414" cy="7730"/>
+          </a:xfrm>
+          <a:prstGeom prst="straightConnector1">
+            <a:avLst/>
+          </a:prstGeom>
+          <a:ln>
+            <a:tailEnd type="triangle"/>
+          </a:ln>
+        </p:spPr>
+        <p:style>
+          <a:lnRef idx="1">
+            <a:schemeClr val="accent1"/>
+          </a:lnRef>
+          <a:fillRef idx="0">
+            <a:schemeClr val="accent1"/>
+          </a:fillRef>
+          <a:effectRef idx="0">
+            <a:schemeClr val="accent1"/>
+          </a:effectRef>
+          <a:fontRef idx="minor">
+            <a:schemeClr val="tx1"/>
+          </a:fontRef>
+        </p:style>
+      </p:cxnSp>
     </p:spTree>
     <p:extLst>
       <p:ext uri="{BB962C8B-B14F-4D97-AF65-F5344CB8AC3E}">
         <p14:creationId xmlns:p14="http://schemas.microsoft.com/office/powerpoint/2010/main" val="526642622"/>
+      </p:ext>
+    </p:extLst>
+  </p:cSld>
+  <p:clrMapOvr>
+    <a:masterClrMapping/>
+  </p:clrMapOvr>
+  <p:timing>
+    <p:tnLst>
+      <p:par>
+        <p:cTn id="1" dur="indefinite" restart="never" nodeType="tmRoot"/>
+      </p:par>
+    </p:tnLst>
+  </p:timing>
+</p:sld>
+</file>
+
+<file path=ppt/slides/slide2.xml><?xml version="1.0" encoding="utf-8"?>
+<p:sld xmlns:a="http://schemas.openxmlformats.org/drawingml/2006/main" xmlns:r="http://schemas.openxmlformats.org/officeDocument/2006/relationships" xmlns:p="http://schemas.openxmlformats.org/presentationml/2006/main">
+  <p:cSld>
+    <p:spTree>
+      <p:nvGrpSpPr>
+        <p:cNvPr id="1" name=""/>
+        <p:cNvGrpSpPr/>
+        <p:nvPr/>
+      </p:nvGrpSpPr>
+      <p:grpSpPr>
+        <a:xfrm>
+          <a:off x="0" y="0"/>
+          <a:ext cx="0" cy="0"/>
+          <a:chOff x="0" y="0"/>
+          <a:chExt cx="0" cy="0"/>
+        </a:xfrm>
+      </p:grpSpPr>
+      <p:sp>
+        <p:nvSpPr>
+          <p:cNvPr id="4" name="Rectangle 3"/>
+          <p:cNvSpPr/>
+          <p:nvPr/>
+        </p:nvSpPr>
+        <p:spPr>
+          <a:xfrm>
+            <a:off x="2003584" y="2276604"/>
+            <a:ext cx="2247946" cy="1290181"/>
+          </a:xfrm>
+          <a:prstGeom prst="rect">
+            <a:avLst/>
+          </a:prstGeom>
+          <a:solidFill>
+            <a:schemeClr val="accent4">
+              <a:lumMod val="20000"/>
+              <a:lumOff val="80000"/>
+            </a:schemeClr>
+          </a:solidFill>
+          <a:ln>
+            <a:solidFill>
+              <a:schemeClr val="tx1"/>
+            </a:solidFill>
+          </a:ln>
+          <a:effectLst>
+            <a:outerShdw blurRad="50800" dist="50800" dir="5400000" algn="ctr" rotWithShape="0">
+              <a:srgbClr val="000000"/>
+            </a:outerShdw>
+          </a:effectLst>
+          <a:scene3d>
+            <a:camera prst="orthographicFront"/>
+            <a:lightRig rig="threePt" dir="t"/>
+          </a:scene3d>
+          <a:sp3d>
+            <a:bevelT/>
+          </a:sp3d>
+        </p:spPr>
+        <p:style>
+          <a:lnRef idx="2">
+            <a:schemeClr val="accent1">
+              <a:shade val="50000"/>
+            </a:schemeClr>
+          </a:lnRef>
+          <a:fillRef idx="1">
+            <a:schemeClr val="accent1"/>
+          </a:fillRef>
+          <a:effectRef idx="0">
+            <a:schemeClr val="accent1"/>
+          </a:effectRef>
+          <a:fontRef idx="minor">
+            <a:schemeClr val="lt1"/>
+          </a:fontRef>
+        </p:style>
+        <p:txBody>
+          <a:bodyPr rtlCol="0" anchor="ctr"/>
+          <a:lstStyle/>
+          <a:p>
+            <a:pPr algn="ctr"/>
+            <a:endParaRPr lang="en-US"/>
+          </a:p>
+        </p:txBody>
+      </p:sp>
+      <p:sp>
+        <p:nvSpPr>
+          <p:cNvPr id="6" name="Trapezoid 5"/>
+          <p:cNvSpPr/>
+          <p:nvPr/>
+        </p:nvSpPr>
+        <p:spPr>
+          <a:xfrm rot="5400000">
+            <a:off x="8473551" y="2232763"/>
+            <a:ext cx="1371598" cy="1377864"/>
+          </a:xfrm>
+          <a:prstGeom prst="trapezoid">
+            <a:avLst/>
+          </a:prstGeom>
+          <a:solidFill>
+            <a:schemeClr val="accent6">
+              <a:lumMod val="20000"/>
+              <a:lumOff val="80000"/>
+            </a:schemeClr>
+          </a:solidFill>
+          <a:scene3d>
+            <a:camera prst="orthographicFront"/>
+            <a:lightRig rig="threePt" dir="t"/>
+          </a:scene3d>
+          <a:sp3d>
+            <a:bevelT w="165100" prst="coolSlant"/>
+          </a:sp3d>
+        </p:spPr>
+        <p:style>
+          <a:lnRef idx="2">
+            <a:schemeClr val="accent1">
+              <a:shade val="50000"/>
+            </a:schemeClr>
+          </a:lnRef>
+          <a:fillRef idx="1">
+            <a:schemeClr val="accent1"/>
+          </a:fillRef>
+          <a:effectRef idx="0">
+            <a:schemeClr val="accent1"/>
+          </a:effectRef>
+          <a:fontRef idx="minor">
+            <a:schemeClr val="lt1"/>
+          </a:fontRef>
+        </p:style>
+        <p:txBody>
+          <a:bodyPr rtlCol="0" anchor="ctr"/>
+          <a:lstStyle/>
+          <a:p>
+            <a:pPr algn="ctr"/>
+            <a:endParaRPr lang="en-US" b="1">
+              <a:ln w="22225">
+                <a:solidFill>
+                  <a:schemeClr val="accent2"/>
+                </a:solidFill>
+                <a:prstDash val="solid"/>
+              </a:ln>
+              <a:solidFill>
+                <a:schemeClr val="accent2">
+                  <a:lumMod val="40000"/>
+                  <a:lumOff val="60000"/>
+                </a:schemeClr>
+              </a:solidFill>
+            </a:endParaRPr>
+          </a:p>
+        </p:txBody>
+      </p:sp>
+      <p:sp>
+        <p:nvSpPr>
+          <p:cNvPr id="23" name="TextBox 22"/>
+          <p:cNvSpPr txBox="1"/>
+          <p:nvPr/>
+        </p:nvSpPr>
+        <p:spPr>
+          <a:xfrm>
+            <a:off x="2477717" y="2590800"/>
+            <a:ext cx="1218399" cy="369332"/>
+          </a:xfrm>
+          <a:prstGeom prst="rect">
+            <a:avLst/>
+          </a:prstGeom>
+          <a:noFill/>
+        </p:spPr>
+        <p:txBody>
+          <a:bodyPr wrap="square" rtlCol="0">
+            <a:spAutoFit/>
+          </a:bodyPr>
+          <a:lstStyle/>
+          <a:p>
+            <a:pPr algn="ctr"/>
+            <a:r>
+              <a:rPr lang="en-US" dirty="0" smtClean="0"/>
+              <a:t>De-</a:t>
+            </a:r>
+            <a:r>
+              <a:rPr lang="en-US" dirty="0" err="1" smtClean="0"/>
+              <a:t>Noiser</a:t>
+            </a:r>
+            <a:endParaRPr lang="en-US" dirty="0"/>
+          </a:p>
+        </p:txBody>
+      </p:sp>
+      <p:sp>
+        <p:nvSpPr>
+          <p:cNvPr id="26" name="TextBox 25"/>
+          <p:cNvSpPr txBox="1"/>
+          <p:nvPr/>
+        </p:nvSpPr>
+        <p:spPr>
+          <a:xfrm>
+            <a:off x="8466011" y="2590800"/>
+            <a:ext cx="1331471" cy="646331"/>
+          </a:xfrm>
+          <a:prstGeom prst="rect">
+            <a:avLst/>
+          </a:prstGeom>
+          <a:noFill/>
+        </p:spPr>
+        <p:txBody>
+          <a:bodyPr wrap="square" rtlCol="0">
+            <a:spAutoFit/>
+          </a:bodyPr>
+          <a:lstStyle/>
+          <a:p>
+            <a:pPr algn="ctr"/>
+            <a:r>
+              <a:rPr lang="en-US" dirty="0" smtClean="0"/>
+              <a:t>fixed ASR</a:t>
+            </a:r>
+          </a:p>
+          <a:p>
+            <a:pPr algn="ctr"/>
+            <a:r>
+              <a:rPr lang="en-US" dirty="0" smtClean="0"/>
+              <a:t>(R)</a:t>
+            </a:r>
+            <a:endParaRPr lang="en-US" dirty="0"/>
+          </a:p>
+        </p:txBody>
+      </p:sp>
+      <p:sp>
+        <p:nvSpPr>
+          <p:cNvPr id="30" name="Rectangle 29"/>
+          <p:cNvSpPr/>
+          <p:nvPr/>
+        </p:nvSpPr>
+        <p:spPr>
+          <a:xfrm>
+            <a:off x="853135" y="2621577"/>
+            <a:ext cx="595035" cy="584775"/>
+          </a:xfrm>
+          <a:prstGeom prst="rect">
+            <a:avLst/>
+          </a:prstGeom>
+        </p:spPr>
+        <p:txBody>
+          <a:bodyPr wrap="none">
+            <a:spAutoFit/>
+          </a:bodyPr>
+          <a:lstStyle/>
+          <a:p>
+            <a:r>
+              <a:rPr lang="en-US" sz="3200" dirty="0" smtClean="0"/>
+              <a:t>🎶</a:t>
+            </a:r>
+            <a:endParaRPr lang="en-US" sz="3200" dirty="0"/>
+          </a:p>
+        </p:txBody>
+      </p:sp>
+      <p:sp>
+        <p:nvSpPr>
+          <p:cNvPr id="31" name="Rectangle 30"/>
+          <p:cNvSpPr/>
+          <p:nvPr/>
+        </p:nvSpPr>
+        <p:spPr>
+          <a:xfrm>
+            <a:off x="4959956" y="2629303"/>
+            <a:ext cx="595035" cy="584775"/>
+          </a:xfrm>
+          <a:prstGeom prst="rect">
+            <a:avLst/>
+          </a:prstGeom>
+        </p:spPr>
+        <p:txBody>
+          <a:bodyPr wrap="none">
+            <a:spAutoFit/>
+          </a:bodyPr>
+          <a:lstStyle/>
+          <a:p>
+            <a:r>
+              <a:rPr lang="en-US" sz="3200" dirty="0" smtClean="0"/>
+              <a:t>🎶</a:t>
+            </a:r>
+            <a:endParaRPr lang="en-US" sz="3200" dirty="0"/>
+          </a:p>
+        </p:txBody>
+      </p:sp>
+      <p:sp>
+        <p:nvSpPr>
+          <p:cNvPr id="32" name="TextBox 31"/>
+          <p:cNvSpPr txBox="1"/>
+          <p:nvPr/>
+        </p:nvSpPr>
+        <p:spPr>
+          <a:xfrm>
+            <a:off x="581184" y="3206352"/>
+            <a:ext cx="1100666" cy="646331"/>
+          </a:xfrm>
+          <a:prstGeom prst="rect">
+            <a:avLst/>
+          </a:prstGeom>
+          <a:noFill/>
+        </p:spPr>
+        <p:txBody>
+          <a:bodyPr wrap="square" rtlCol="0">
+            <a:spAutoFit/>
+          </a:bodyPr>
+          <a:lstStyle/>
+          <a:p>
+            <a:pPr algn="ctr"/>
+            <a:r>
+              <a:rPr lang="en-US" dirty="0" smtClean="0"/>
+              <a:t>Noisy</a:t>
+            </a:r>
+          </a:p>
+          <a:p>
+            <a:pPr algn="ctr"/>
+            <a:r>
+              <a:rPr lang="en-US" dirty="0" smtClean="0"/>
+              <a:t>Audio</a:t>
+            </a:r>
+            <a:endParaRPr lang="en-US" dirty="0"/>
+          </a:p>
+        </p:txBody>
+      </p:sp>
+      <p:sp>
+        <p:nvSpPr>
+          <p:cNvPr id="33" name="TextBox 32"/>
+          <p:cNvSpPr txBox="1"/>
+          <p:nvPr/>
+        </p:nvSpPr>
+        <p:spPr>
+          <a:xfrm>
+            <a:off x="4697612" y="3206352"/>
+            <a:ext cx="1171647" cy="646331"/>
+          </a:xfrm>
+          <a:prstGeom prst="rect">
+            <a:avLst/>
+          </a:prstGeom>
+          <a:noFill/>
+        </p:spPr>
+        <p:txBody>
+          <a:bodyPr wrap="square" rtlCol="0">
+            <a:spAutoFit/>
+          </a:bodyPr>
+          <a:lstStyle/>
+          <a:p>
+            <a:pPr algn="ctr"/>
+            <a:r>
+              <a:rPr lang="en-US" dirty="0" smtClean="0"/>
+              <a:t>De-noised </a:t>
+            </a:r>
+            <a:r>
+              <a:rPr lang="en-US" dirty="0" smtClean="0"/>
+              <a:t>audio</a:t>
+            </a:r>
+            <a:endParaRPr lang="en-US" dirty="0"/>
+          </a:p>
+        </p:txBody>
+      </p:sp>
+      <p:cxnSp>
+        <p:nvCxnSpPr>
+          <p:cNvPr id="37" name="Straight Arrow Connector 36"/>
+          <p:cNvCxnSpPr>
+            <a:stCxn id="6" idx="0"/>
+          </p:cNvCxnSpPr>
+          <p:nvPr/>
+        </p:nvCxnSpPr>
+        <p:spPr>
+          <a:xfrm flipV="1">
+            <a:off x="9848282" y="2917353"/>
+            <a:ext cx="621429" cy="4342"/>
+          </a:xfrm>
+          <a:prstGeom prst="straightConnector1">
+            <a:avLst/>
+          </a:prstGeom>
+          <a:ln>
+            <a:tailEnd type="triangle"/>
+          </a:ln>
+        </p:spPr>
+        <p:style>
+          <a:lnRef idx="1">
+            <a:schemeClr val="accent1"/>
+          </a:lnRef>
+          <a:fillRef idx="0">
+            <a:schemeClr val="accent1"/>
+          </a:fillRef>
+          <a:effectRef idx="0">
+            <a:schemeClr val="accent1"/>
+          </a:effectRef>
+          <a:fontRef idx="minor">
+            <a:schemeClr val="tx1"/>
+          </a:fontRef>
+        </p:style>
+      </p:cxnSp>
+      <p:sp>
+        <p:nvSpPr>
+          <p:cNvPr id="46" name="TextBox 45"/>
+          <p:cNvSpPr txBox="1"/>
+          <p:nvPr/>
+        </p:nvSpPr>
+        <p:spPr>
+          <a:xfrm>
+            <a:off x="10520511" y="2636966"/>
+            <a:ext cx="1256347" cy="646331"/>
+          </a:xfrm>
+          <a:prstGeom prst="rect">
+            <a:avLst/>
+          </a:prstGeom>
+          <a:noFill/>
+        </p:spPr>
+        <p:txBody>
+          <a:bodyPr wrap="square" rtlCol="0">
+            <a:spAutoFit/>
+          </a:bodyPr>
+          <a:lstStyle/>
+          <a:p>
+            <a:pPr algn="ctr"/>
+            <a:r>
+              <a:rPr lang="en-US" smtClean="0"/>
+              <a:t>Probability Matrix</a:t>
+            </a:r>
+            <a:endParaRPr lang="en-US" dirty="0"/>
+          </a:p>
+        </p:txBody>
+      </p:sp>
+      <p:sp>
+        <p:nvSpPr>
+          <p:cNvPr id="15" name="Rectangle 14"/>
+          <p:cNvSpPr/>
+          <p:nvPr/>
+        </p:nvSpPr>
+        <p:spPr>
+          <a:xfrm>
+            <a:off x="6328429" y="2268873"/>
+            <a:ext cx="1188404" cy="1290181"/>
+          </a:xfrm>
+          <a:prstGeom prst="rect">
+            <a:avLst/>
+          </a:prstGeom>
+          <a:solidFill>
+            <a:schemeClr val="accent1">
+              <a:lumMod val="60000"/>
+              <a:lumOff val="40000"/>
+            </a:schemeClr>
+          </a:solidFill>
+          <a:ln>
+            <a:solidFill>
+              <a:schemeClr val="tx1"/>
+            </a:solidFill>
+          </a:ln>
+          <a:effectLst>
+            <a:outerShdw blurRad="50800" dist="50800" dir="5400000" algn="ctr" rotWithShape="0">
+              <a:srgbClr val="000000"/>
+            </a:outerShdw>
+          </a:effectLst>
+          <a:scene3d>
+            <a:camera prst="orthographicFront"/>
+            <a:lightRig rig="threePt" dir="t"/>
+          </a:scene3d>
+          <a:sp3d>
+            <a:bevelT/>
+          </a:sp3d>
+        </p:spPr>
+        <p:style>
+          <a:lnRef idx="2">
+            <a:schemeClr val="accent1">
+              <a:shade val="50000"/>
+            </a:schemeClr>
+          </a:lnRef>
+          <a:fillRef idx="1">
+            <a:schemeClr val="accent1"/>
+          </a:fillRef>
+          <a:effectRef idx="0">
+            <a:schemeClr val="accent1"/>
+          </a:effectRef>
+          <a:fontRef idx="minor">
+            <a:schemeClr val="lt1"/>
+          </a:fontRef>
+        </p:style>
+        <p:txBody>
+          <a:bodyPr rtlCol="0" anchor="ctr"/>
+          <a:lstStyle/>
+          <a:p>
+            <a:pPr algn="ctr"/>
+            <a:r>
+              <a:rPr lang="en-US" dirty="0" smtClean="0">
+                <a:solidFill>
+                  <a:sysClr val="windowText" lastClr="000000"/>
+                </a:solidFill>
+              </a:rPr>
+              <a:t>STFT</a:t>
+            </a:r>
+            <a:endParaRPr lang="en-US" dirty="0">
+              <a:solidFill>
+                <a:sysClr val="windowText" lastClr="000000"/>
+              </a:solidFill>
+            </a:endParaRPr>
+          </a:p>
+        </p:txBody>
+      </p:sp>
+      <p:cxnSp>
+        <p:nvCxnSpPr>
+          <p:cNvPr id="5" name="Straight Arrow Connector 4"/>
+          <p:cNvCxnSpPr>
+            <a:stCxn id="4" idx="3"/>
+            <a:endCxn id="15" idx="1"/>
+          </p:cNvCxnSpPr>
+          <p:nvPr/>
+        </p:nvCxnSpPr>
+        <p:spPr>
+          <a:xfrm flipV="1">
+            <a:off x="4251530" y="2913964"/>
+            <a:ext cx="2076899" cy="7731"/>
+          </a:xfrm>
+          <a:prstGeom prst="straightConnector1">
+            <a:avLst/>
+          </a:prstGeom>
+          <a:ln>
+            <a:tailEnd type="triangle"/>
+          </a:ln>
+        </p:spPr>
+        <p:style>
+          <a:lnRef idx="1">
+            <a:schemeClr val="accent1"/>
+          </a:lnRef>
+          <a:fillRef idx="0">
+            <a:schemeClr val="accent1"/>
+          </a:fillRef>
+          <a:effectRef idx="0">
+            <a:schemeClr val="accent1"/>
+          </a:effectRef>
+          <a:fontRef idx="minor">
+            <a:schemeClr val="tx1"/>
+          </a:fontRef>
+        </p:style>
+      </p:cxnSp>
+      <p:sp>
+        <p:nvSpPr>
+          <p:cNvPr id="20" name="Rectangle 19"/>
+          <p:cNvSpPr/>
+          <p:nvPr/>
+        </p:nvSpPr>
+        <p:spPr>
+          <a:xfrm>
+            <a:off x="2003584" y="4330921"/>
+            <a:ext cx="1416002" cy="1290181"/>
+          </a:xfrm>
+          <a:prstGeom prst="rect">
+            <a:avLst/>
+          </a:prstGeom>
+          <a:solidFill>
+            <a:schemeClr val="accent1">
+              <a:lumMod val="60000"/>
+              <a:lumOff val="40000"/>
+            </a:schemeClr>
+          </a:solidFill>
+          <a:ln>
+            <a:solidFill>
+              <a:schemeClr val="tx1"/>
+            </a:solidFill>
+          </a:ln>
+          <a:effectLst>
+            <a:outerShdw blurRad="50800" dist="50800" dir="5400000" algn="ctr" rotWithShape="0">
+              <a:srgbClr val="000000"/>
+            </a:outerShdw>
+          </a:effectLst>
+          <a:scene3d>
+            <a:camera prst="orthographicFront"/>
+            <a:lightRig rig="threePt" dir="t"/>
+          </a:scene3d>
+          <a:sp3d>
+            <a:bevelT/>
+          </a:sp3d>
+        </p:spPr>
+        <p:style>
+          <a:lnRef idx="2">
+            <a:schemeClr val="accent1">
+              <a:shade val="50000"/>
+            </a:schemeClr>
+          </a:lnRef>
+          <a:fillRef idx="1">
+            <a:schemeClr val="accent1"/>
+          </a:fillRef>
+          <a:effectRef idx="0">
+            <a:schemeClr val="accent1"/>
+          </a:effectRef>
+          <a:fontRef idx="minor">
+            <a:schemeClr val="lt1"/>
+          </a:fontRef>
+        </p:style>
+        <p:txBody>
+          <a:bodyPr rtlCol="0" anchor="ctr"/>
+          <a:lstStyle/>
+          <a:p>
+            <a:pPr algn="ctr"/>
+            <a:endParaRPr lang="en-US"/>
+          </a:p>
+        </p:txBody>
+      </p:sp>
+      <p:sp>
+        <p:nvSpPr>
+          <p:cNvPr id="21" name="Trapezoid 20"/>
+          <p:cNvSpPr/>
+          <p:nvPr/>
+        </p:nvSpPr>
+        <p:spPr>
+          <a:xfrm rot="5400000">
+            <a:off x="8473551" y="4287080"/>
+            <a:ext cx="1371598" cy="1377864"/>
+          </a:xfrm>
+          <a:prstGeom prst="trapezoid">
+            <a:avLst/>
+          </a:prstGeom>
+          <a:solidFill>
+            <a:schemeClr val="accent6">
+              <a:lumMod val="20000"/>
+              <a:lumOff val="80000"/>
+            </a:schemeClr>
+          </a:solidFill>
+          <a:scene3d>
+            <a:camera prst="orthographicFront"/>
+            <a:lightRig rig="threePt" dir="t"/>
+          </a:scene3d>
+          <a:sp3d>
+            <a:bevelT w="165100" prst="coolSlant"/>
+          </a:sp3d>
+        </p:spPr>
+        <p:style>
+          <a:lnRef idx="2">
+            <a:schemeClr val="accent1">
+              <a:shade val="50000"/>
+            </a:schemeClr>
+          </a:lnRef>
+          <a:fillRef idx="1">
+            <a:schemeClr val="accent1"/>
+          </a:fillRef>
+          <a:effectRef idx="0">
+            <a:schemeClr val="accent1"/>
+          </a:effectRef>
+          <a:fontRef idx="minor">
+            <a:schemeClr val="lt1"/>
+          </a:fontRef>
+        </p:style>
+        <p:txBody>
+          <a:bodyPr rtlCol="0" anchor="ctr"/>
+          <a:lstStyle/>
+          <a:p>
+            <a:pPr algn="ctr"/>
+            <a:endParaRPr lang="en-US" b="1">
+              <a:ln w="22225">
+                <a:solidFill>
+                  <a:schemeClr val="accent2"/>
+                </a:solidFill>
+                <a:prstDash val="solid"/>
+              </a:ln>
+              <a:solidFill>
+                <a:schemeClr val="accent2">
+                  <a:lumMod val="40000"/>
+                  <a:lumOff val="60000"/>
+                </a:schemeClr>
+              </a:solidFill>
+            </a:endParaRPr>
+          </a:p>
+        </p:txBody>
+      </p:sp>
+      <p:sp>
+        <p:nvSpPr>
+          <p:cNvPr id="22" name="TextBox 21"/>
+          <p:cNvSpPr txBox="1"/>
+          <p:nvPr/>
+        </p:nvSpPr>
+        <p:spPr>
+          <a:xfrm>
+            <a:off x="2093291" y="4791341"/>
+            <a:ext cx="1218399" cy="369332"/>
+          </a:xfrm>
+          <a:prstGeom prst="rect">
+            <a:avLst/>
+          </a:prstGeom>
+          <a:noFill/>
+        </p:spPr>
+        <p:txBody>
+          <a:bodyPr wrap="square" rtlCol="0">
+            <a:spAutoFit/>
+          </a:bodyPr>
+          <a:lstStyle/>
+          <a:p>
+            <a:pPr algn="ctr"/>
+            <a:r>
+              <a:rPr lang="en-US" dirty="0" smtClean="0"/>
+              <a:t>STFT</a:t>
+            </a:r>
+            <a:endParaRPr lang="en-US" dirty="0"/>
+          </a:p>
+        </p:txBody>
+      </p:sp>
+      <p:sp>
+        <p:nvSpPr>
+          <p:cNvPr id="24" name="TextBox 23"/>
+          <p:cNvSpPr txBox="1"/>
+          <p:nvPr/>
+        </p:nvSpPr>
+        <p:spPr>
+          <a:xfrm>
+            <a:off x="8466011" y="4645117"/>
+            <a:ext cx="1331471" cy="646331"/>
+          </a:xfrm>
+          <a:prstGeom prst="rect">
+            <a:avLst/>
+          </a:prstGeom>
+          <a:noFill/>
+        </p:spPr>
+        <p:txBody>
+          <a:bodyPr wrap="square" rtlCol="0">
+            <a:spAutoFit/>
+          </a:bodyPr>
+          <a:lstStyle/>
+          <a:p>
+            <a:pPr algn="ctr"/>
+            <a:r>
+              <a:rPr lang="en-US" dirty="0" smtClean="0"/>
+              <a:t>fixed ASR</a:t>
+            </a:r>
+          </a:p>
+          <a:p>
+            <a:pPr algn="ctr"/>
+            <a:r>
+              <a:rPr lang="en-US" dirty="0" smtClean="0"/>
+              <a:t>(R)</a:t>
+            </a:r>
+            <a:endParaRPr lang="en-US" dirty="0"/>
+          </a:p>
+        </p:txBody>
+      </p:sp>
+      <p:sp>
+        <p:nvSpPr>
+          <p:cNvPr id="27" name="Rectangle 26"/>
+          <p:cNvSpPr/>
+          <p:nvPr/>
+        </p:nvSpPr>
+        <p:spPr>
+          <a:xfrm>
+            <a:off x="853135" y="4675894"/>
+            <a:ext cx="595035" cy="584775"/>
+          </a:xfrm>
+          <a:prstGeom prst="rect">
+            <a:avLst/>
+          </a:prstGeom>
+        </p:spPr>
+        <p:txBody>
+          <a:bodyPr wrap="none">
+            <a:spAutoFit/>
+          </a:bodyPr>
+          <a:lstStyle/>
+          <a:p>
+            <a:r>
+              <a:rPr lang="en-US" sz="3200" dirty="0" smtClean="0"/>
+              <a:t>🎶</a:t>
+            </a:r>
+            <a:endParaRPr lang="en-US" sz="3200" dirty="0"/>
+          </a:p>
+        </p:txBody>
+      </p:sp>
+      <p:sp>
+        <p:nvSpPr>
+          <p:cNvPr id="28" name="Rectangle 27"/>
+          <p:cNvSpPr/>
+          <p:nvPr/>
+        </p:nvSpPr>
+        <p:spPr>
+          <a:xfrm>
+            <a:off x="7068975" y="4683620"/>
+            <a:ext cx="595035" cy="584775"/>
+          </a:xfrm>
+          <a:prstGeom prst="rect">
+            <a:avLst/>
+          </a:prstGeom>
+        </p:spPr>
+        <p:txBody>
+          <a:bodyPr wrap="none">
+            <a:spAutoFit/>
+          </a:bodyPr>
+          <a:lstStyle/>
+          <a:p>
+            <a:r>
+              <a:rPr lang="en-US" sz="3200" dirty="0" smtClean="0"/>
+              <a:t>🎶</a:t>
+            </a:r>
+            <a:endParaRPr lang="en-US" sz="3200" dirty="0"/>
+          </a:p>
+        </p:txBody>
+      </p:sp>
+      <p:sp>
+        <p:nvSpPr>
+          <p:cNvPr id="34" name="TextBox 33"/>
+          <p:cNvSpPr txBox="1"/>
+          <p:nvPr/>
+        </p:nvSpPr>
+        <p:spPr>
+          <a:xfrm>
+            <a:off x="581184" y="5260669"/>
+            <a:ext cx="1100666" cy="646331"/>
+          </a:xfrm>
+          <a:prstGeom prst="rect">
+            <a:avLst/>
+          </a:prstGeom>
+          <a:noFill/>
+        </p:spPr>
+        <p:txBody>
+          <a:bodyPr wrap="square" rtlCol="0">
+            <a:spAutoFit/>
+          </a:bodyPr>
+          <a:lstStyle/>
+          <a:p>
+            <a:pPr algn="ctr"/>
+            <a:r>
+              <a:rPr lang="en-US" dirty="0" smtClean="0"/>
+              <a:t>Noisy</a:t>
+            </a:r>
+          </a:p>
+          <a:p>
+            <a:pPr algn="ctr"/>
+            <a:r>
+              <a:rPr lang="en-US" dirty="0" smtClean="0"/>
+              <a:t>Audio</a:t>
+            </a:r>
+            <a:endParaRPr lang="en-US" dirty="0"/>
+          </a:p>
+        </p:txBody>
+      </p:sp>
+      <p:sp>
+        <p:nvSpPr>
+          <p:cNvPr id="35" name="TextBox 34"/>
+          <p:cNvSpPr txBox="1"/>
+          <p:nvPr/>
+        </p:nvSpPr>
+        <p:spPr>
+          <a:xfrm>
+            <a:off x="6806631" y="5260669"/>
+            <a:ext cx="1171647" cy="646331"/>
+          </a:xfrm>
+          <a:prstGeom prst="rect">
+            <a:avLst/>
+          </a:prstGeom>
+          <a:noFill/>
+        </p:spPr>
+        <p:txBody>
+          <a:bodyPr wrap="square" rtlCol="0">
+            <a:spAutoFit/>
+          </a:bodyPr>
+          <a:lstStyle/>
+          <a:p>
+            <a:pPr algn="ctr"/>
+            <a:r>
+              <a:rPr lang="en-US" dirty="0" smtClean="0"/>
+              <a:t>De-noised </a:t>
+            </a:r>
+            <a:r>
+              <a:rPr lang="en-US" dirty="0" smtClean="0"/>
+              <a:t>Features</a:t>
+            </a:r>
+            <a:endParaRPr lang="en-US" dirty="0"/>
+          </a:p>
+        </p:txBody>
+      </p:sp>
+      <p:cxnSp>
+        <p:nvCxnSpPr>
+          <p:cNvPr id="36" name="Straight Arrow Connector 35"/>
+          <p:cNvCxnSpPr/>
+          <p:nvPr/>
+        </p:nvCxnSpPr>
+        <p:spPr>
+          <a:xfrm flipV="1">
+            <a:off x="9848282" y="4971670"/>
+            <a:ext cx="621429" cy="4342"/>
+          </a:xfrm>
+          <a:prstGeom prst="straightConnector1">
+            <a:avLst/>
+          </a:prstGeom>
+          <a:ln>
+            <a:tailEnd type="triangle"/>
+          </a:ln>
+        </p:spPr>
+        <p:style>
+          <a:lnRef idx="1">
+            <a:schemeClr val="accent1"/>
+          </a:lnRef>
+          <a:fillRef idx="0">
+            <a:schemeClr val="accent1"/>
+          </a:fillRef>
+          <a:effectRef idx="0">
+            <a:schemeClr val="accent1"/>
+          </a:effectRef>
+          <a:fontRef idx="minor">
+            <a:schemeClr val="tx1"/>
+          </a:fontRef>
+        </p:style>
+      </p:cxnSp>
+      <p:sp>
+        <p:nvSpPr>
+          <p:cNvPr id="43" name="Rectangle 42"/>
+          <p:cNvSpPr/>
+          <p:nvPr/>
+        </p:nvSpPr>
+        <p:spPr>
+          <a:xfrm>
+            <a:off x="4368485" y="4323190"/>
+            <a:ext cx="2247946" cy="1290181"/>
+          </a:xfrm>
+          <a:prstGeom prst="rect">
+            <a:avLst/>
+          </a:prstGeom>
+          <a:solidFill>
+            <a:schemeClr val="accent4">
+              <a:lumMod val="20000"/>
+              <a:lumOff val="80000"/>
+            </a:schemeClr>
+          </a:solidFill>
+          <a:ln>
+            <a:solidFill>
+              <a:schemeClr val="tx1"/>
+            </a:solidFill>
+          </a:ln>
+          <a:effectLst>
+            <a:outerShdw blurRad="50800" dist="50800" dir="5400000" algn="ctr" rotWithShape="0">
+              <a:srgbClr val="000000"/>
+            </a:outerShdw>
+          </a:effectLst>
+          <a:scene3d>
+            <a:camera prst="orthographicFront"/>
+            <a:lightRig rig="threePt" dir="t"/>
+          </a:scene3d>
+          <a:sp3d>
+            <a:bevelT/>
+          </a:sp3d>
+        </p:spPr>
+        <p:style>
+          <a:lnRef idx="2">
+            <a:schemeClr val="accent1">
+              <a:shade val="50000"/>
+            </a:schemeClr>
+          </a:lnRef>
+          <a:fillRef idx="1">
+            <a:schemeClr val="accent1"/>
+          </a:fillRef>
+          <a:effectRef idx="0">
+            <a:schemeClr val="accent1"/>
+          </a:effectRef>
+          <a:fontRef idx="minor">
+            <a:schemeClr val="lt1"/>
+          </a:fontRef>
+        </p:style>
+        <p:txBody>
+          <a:bodyPr rtlCol="0" anchor="ctr"/>
+          <a:lstStyle/>
+          <a:p>
+            <a:pPr algn="ctr"/>
+            <a:r>
+              <a:rPr lang="en-US" dirty="0" smtClean="0">
+                <a:solidFill>
+                  <a:sysClr val="windowText" lastClr="000000"/>
+                </a:solidFill>
+              </a:rPr>
+              <a:t>De-</a:t>
+            </a:r>
+            <a:r>
+              <a:rPr lang="en-US" dirty="0" err="1" smtClean="0">
+                <a:solidFill>
+                  <a:sysClr val="windowText" lastClr="000000"/>
+                </a:solidFill>
+              </a:rPr>
+              <a:t>Noiser</a:t>
+            </a:r>
+            <a:endParaRPr lang="en-US" dirty="0">
+              <a:solidFill>
+                <a:sysClr val="windowText" lastClr="000000"/>
+              </a:solidFill>
+            </a:endParaRPr>
+          </a:p>
+        </p:txBody>
+      </p:sp>
+      <p:cxnSp>
+        <p:nvCxnSpPr>
+          <p:cNvPr id="11" name="Straight Arrow Connector 10"/>
+          <p:cNvCxnSpPr>
+            <a:endCxn id="43" idx="1"/>
+          </p:cNvCxnSpPr>
+          <p:nvPr/>
+        </p:nvCxnSpPr>
+        <p:spPr>
+          <a:xfrm flipV="1">
+            <a:off x="3213112" y="4968281"/>
+            <a:ext cx="1155373" cy="3389"/>
+          </a:xfrm>
+          <a:prstGeom prst="straightConnector1">
+            <a:avLst/>
+          </a:prstGeom>
+          <a:ln>
+            <a:tailEnd type="triangle"/>
+          </a:ln>
+        </p:spPr>
+        <p:style>
+          <a:lnRef idx="1">
+            <a:schemeClr val="accent1"/>
+          </a:lnRef>
+          <a:fillRef idx="0">
+            <a:schemeClr val="accent1"/>
+          </a:fillRef>
+          <a:effectRef idx="0">
+            <a:schemeClr val="accent1"/>
+          </a:effectRef>
+          <a:fontRef idx="minor">
+            <a:schemeClr val="tx1"/>
+          </a:fontRef>
+        </p:style>
+      </p:cxnSp>
+      <p:cxnSp>
+        <p:nvCxnSpPr>
+          <p:cNvPr id="13" name="Straight Arrow Connector 12"/>
+          <p:cNvCxnSpPr>
+            <a:stCxn id="43" idx="3"/>
+            <a:endCxn id="24" idx="1"/>
+          </p:cNvCxnSpPr>
+          <p:nvPr/>
+        </p:nvCxnSpPr>
+        <p:spPr>
+          <a:xfrm>
+            <a:off x="6616431" y="4968281"/>
+            <a:ext cx="1849580" cy="2"/>
+          </a:xfrm>
+          <a:prstGeom prst="straightConnector1">
+            <a:avLst/>
+          </a:prstGeom>
+          <a:ln>
+            <a:tailEnd type="triangle"/>
+          </a:ln>
+        </p:spPr>
+        <p:style>
+          <a:lnRef idx="1">
+            <a:schemeClr val="accent1"/>
+          </a:lnRef>
+          <a:fillRef idx="0">
+            <a:schemeClr val="accent1"/>
+          </a:fillRef>
+          <a:effectRef idx="0">
+            <a:schemeClr val="accent1"/>
+          </a:effectRef>
+          <a:fontRef idx="minor">
+            <a:schemeClr val="tx1"/>
+          </a:fontRef>
+        </p:style>
+      </p:cxnSp>
+      <p:cxnSp>
+        <p:nvCxnSpPr>
+          <p:cNvPr id="16" name="Straight Arrow Connector 15"/>
+          <p:cNvCxnSpPr>
+            <a:stCxn id="15" idx="3"/>
+            <a:endCxn id="26" idx="1"/>
+          </p:cNvCxnSpPr>
+          <p:nvPr/>
+        </p:nvCxnSpPr>
+        <p:spPr>
+          <a:xfrm>
+            <a:off x="7516833" y="2913964"/>
+            <a:ext cx="949178" cy="2"/>
+          </a:xfrm>
+          <a:prstGeom prst="straightConnector1">
+            <a:avLst/>
+          </a:prstGeom>
+          <a:ln>
+            <a:tailEnd type="triangle"/>
+          </a:ln>
+        </p:spPr>
+        <p:style>
+          <a:lnRef idx="1">
+            <a:schemeClr val="accent1"/>
+          </a:lnRef>
+          <a:fillRef idx="0">
+            <a:schemeClr val="accent1"/>
+          </a:fillRef>
+          <a:effectRef idx="0">
+            <a:schemeClr val="accent1"/>
+          </a:effectRef>
+          <a:fontRef idx="minor">
+            <a:schemeClr val="tx1"/>
+          </a:fontRef>
+        </p:style>
+      </p:cxnSp>
+      <p:cxnSp>
+        <p:nvCxnSpPr>
+          <p:cNvPr id="18" name="Straight Arrow Connector 17"/>
+          <p:cNvCxnSpPr>
+            <a:stCxn id="27" idx="3"/>
+            <a:endCxn id="20" idx="1"/>
+          </p:cNvCxnSpPr>
+          <p:nvPr/>
+        </p:nvCxnSpPr>
+        <p:spPr>
+          <a:xfrm>
+            <a:off x="1448170" y="4968282"/>
+            <a:ext cx="555414" cy="7730"/>
+          </a:xfrm>
+          <a:prstGeom prst="straightConnector1">
+            <a:avLst/>
+          </a:prstGeom>
+          <a:ln>
+            <a:tailEnd type="triangle"/>
+          </a:ln>
+        </p:spPr>
+        <p:style>
+          <a:lnRef idx="1">
+            <a:schemeClr val="accent1"/>
+          </a:lnRef>
+          <a:fillRef idx="0">
+            <a:schemeClr val="accent1"/>
+          </a:fillRef>
+          <a:effectRef idx="0">
+            <a:schemeClr val="accent1"/>
+          </a:effectRef>
+          <a:fontRef idx="minor">
+            <a:schemeClr val="tx1"/>
+          </a:fontRef>
+        </p:style>
+      </p:cxnSp>
+      <p:cxnSp>
+        <p:nvCxnSpPr>
+          <p:cNvPr id="44" name="Straight Arrow Connector 43"/>
+          <p:cNvCxnSpPr>
+            <a:stCxn id="30" idx="3"/>
+            <a:endCxn id="4" idx="1"/>
+          </p:cNvCxnSpPr>
+          <p:nvPr/>
+        </p:nvCxnSpPr>
+        <p:spPr>
+          <a:xfrm>
+            <a:off x="1448170" y="2913965"/>
+            <a:ext cx="555414" cy="7730"/>
+          </a:xfrm>
+          <a:prstGeom prst="straightConnector1">
+            <a:avLst/>
+          </a:prstGeom>
+          <a:ln>
+            <a:tailEnd type="triangle"/>
+          </a:ln>
+        </p:spPr>
+        <p:style>
+          <a:lnRef idx="1">
+            <a:schemeClr val="accent1"/>
+          </a:lnRef>
+          <a:fillRef idx="0">
+            <a:schemeClr val="accent1"/>
+          </a:fillRef>
+          <a:effectRef idx="0">
+            <a:schemeClr val="accent1"/>
+          </a:effectRef>
+          <a:fontRef idx="minor">
+            <a:schemeClr val="tx1"/>
+          </a:fontRef>
+        </p:style>
+      </p:cxnSp>
+      <p:sp>
+        <p:nvSpPr>
+          <p:cNvPr id="39" name="TextBox 38"/>
+          <p:cNvSpPr txBox="1"/>
+          <p:nvPr/>
+        </p:nvSpPr>
+        <p:spPr>
+          <a:xfrm>
+            <a:off x="10596709" y="4645117"/>
+            <a:ext cx="1256347" cy="646331"/>
+          </a:xfrm>
+          <a:prstGeom prst="rect">
+            <a:avLst/>
+          </a:prstGeom>
+          <a:noFill/>
+        </p:spPr>
+        <p:txBody>
+          <a:bodyPr wrap="square" rtlCol="0">
+            <a:spAutoFit/>
+          </a:bodyPr>
+          <a:lstStyle/>
+          <a:p>
+            <a:pPr algn="ctr"/>
+            <a:r>
+              <a:rPr lang="en-US" smtClean="0"/>
+              <a:t>Probability Matrix</a:t>
+            </a:r>
+            <a:endParaRPr lang="en-US" dirty="0"/>
+          </a:p>
+        </p:txBody>
+      </p:sp>
+    </p:spTree>
+    <p:extLst>
+      <p:ext uri="{BB962C8B-B14F-4D97-AF65-F5344CB8AC3E}">
+        <p14:creationId xmlns:p14="http://schemas.microsoft.com/office/powerpoint/2010/main" val="470066473"/>
       </p:ext>
     </p:extLst>
   </p:cSld>
